--- a/docs/assets/pptx/genjax_logo_small.pptx
+++ b/docs/assets/pptx/genjax_logo_small.pptx
@@ -3321,384 +3321,35 @@
           <a:chExt cx="0" cy="0"/>
         </a:xfrm>
       </p:grpSpPr>
-      <p:sp>
-        <p:nvSpPr>
-          <p:cNvPr id="12" name="Hexagon 11">
-            <a:extLst>
-              <a:ext uri="{FF2B5EF4-FFF2-40B4-BE49-F238E27FC236}">
-                <a16:creationId xmlns:a16="http://schemas.microsoft.com/office/drawing/2014/main" id="{FA466A2B-3586-1F1B-24BE-F3248AD85358}"/>
-              </a:ext>
-            </a:extLst>
-          </p:cNvPr>
-          <p:cNvSpPr/>
+      <p:pic>
+        <p:nvPicPr>
+          <p:cNvPr id="15" name="Picture 14">
+            <a:extLst>
+              <a:ext uri="{FF2B5EF4-FFF2-40B4-BE49-F238E27FC236}">
+                <a16:creationId xmlns:a16="http://schemas.microsoft.com/office/drawing/2014/main" id="{AE64C8E8-2801-B35D-C092-C07907AA781E}"/>
+              </a:ext>
+            </a:extLst>
+          </p:cNvPr>
+          <p:cNvPicPr>
+            <a:picLocks noChangeAspect="1"/>
+          </p:cNvPicPr>
           <p:nvPr/>
-        </p:nvSpPr>
+        </p:nvPicPr>
+        <p:blipFill rotWithShape="1">
+          <a:blip r:embed="rId2"/>
+          <a:srcRect b="10569"/>
+          <a:stretch/>
+        </p:blipFill>
         <p:spPr>
           <a:xfrm>
-            <a:off x="4238519" y="1962258"/>
-            <a:ext cx="3402842" cy="2933484"/>
+            <a:off x="4387850" y="1778000"/>
+            <a:ext cx="3416300" cy="2953026"/>
           </a:xfrm>
-          <a:prstGeom prst="hexagon">
+          <a:prstGeom prst="rect">
             <a:avLst/>
           </a:prstGeom>
-          <a:solidFill>
-            <a:schemeClr val="accent2">
-              <a:lumMod val="20000"/>
-              <a:lumOff val="80000"/>
-            </a:schemeClr>
-          </a:solidFill>
-          <a:ln>
-            <a:noFill/>
-          </a:ln>
         </p:spPr>
-        <p:style>
-          <a:lnRef idx="2">
-            <a:schemeClr val="accent1">
-              <a:shade val="15000"/>
-            </a:schemeClr>
-          </a:lnRef>
-          <a:fillRef idx="1">
-            <a:schemeClr val="accent1"/>
-          </a:fillRef>
-          <a:effectRef idx="0">
-            <a:schemeClr val="accent1"/>
-          </a:effectRef>
-          <a:fontRef idx="minor">
-            <a:schemeClr val="lt1"/>
-          </a:fontRef>
-        </p:style>
-        <p:txBody>
-          <a:bodyPr rtlCol="0" anchor="ctr"/>
-          <a:lstStyle/>
-          <a:p>
-            <a:pPr algn="ctr"/>
-            <a:endParaRPr lang="en-US"/>
-          </a:p>
-        </p:txBody>
-      </p:sp>
-      <p:sp>
-        <p:nvSpPr>
-          <p:cNvPr id="13" name="Hexagon 12">
-            <a:extLst>
-              <a:ext uri="{FF2B5EF4-FFF2-40B4-BE49-F238E27FC236}">
-                <a16:creationId xmlns:a16="http://schemas.microsoft.com/office/drawing/2014/main" id="{83E8EAE9-2531-6A12-383B-E6530EB047C3}"/>
-              </a:ext>
-            </a:extLst>
-          </p:cNvPr>
-          <p:cNvSpPr/>
-          <p:nvPr/>
-        </p:nvSpPr>
-        <p:spPr>
-          <a:xfrm>
-            <a:off x="4408518" y="2108810"/>
-            <a:ext cx="3062841" cy="2640380"/>
-          </a:xfrm>
-          <a:prstGeom prst="hexagon">
-            <a:avLst/>
-          </a:prstGeom>
-          <a:solidFill>
-            <a:schemeClr val="accent2">
-              <a:lumMod val="40000"/>
-              <a:lumOff val="60000"/>
-            </a:schemeClr>
-          </a:solidFill>
-          <a:ln>
-            <a:noFill/>
-          </a:ln>
-        </p:spPr>
-        <p:style>
-          <a:lnRef idx="2">
-            <a:schemeClr val="accent1">
-              <a:shade val="15000"/>
-            </a:schemeClr>
-          </a:lnRef>
-          <a:fillRef idx="1">
-            <a:schemeClr val="accent1"/>
-          </a:fillRef>
-          <a:effectRef idx="0">
-            <a:schemeClr val="accent1"/>
-          </a:effectRef>
-          <a:fontRef idx="minor">
-            <a:schemeClr val="lt1"/>
-          </a:fontRef>
-        </p:style>
-        <p:txBody>
-          <a:bodyPr rtlCol="0" anchor="ctr"/>
-          <a:lstStyle/>
-          <a:p>
-            <a:pPr algn="ctr"/>
-            <a:endParaRPr lang="en-US"/>
-          </a:p>
-        </p:txBody>
-      </p:sp>
-      <p:grpSp>
-        <p:nvGrpSpPr>
-          <p:cNvPr id="11" name="Group 10">
-            <a:extLst>
-              <a:ext uri="{FF2B5EF4-FFF2-40B4-BE49-F238E27FC236}">
-                <a16:creationId xmlns:a16="http://schemas.microsoft.com/office/drawing/2014/main" id="{D5D272E4-E8FA-3C0D-B9B8-D4A830FE7149}"/>
-              </a:ext>
-            </a:extLst>
-          </p:cNvPr>
-          <p:cNvGrpSpPr/>
-          <p:nvPr/>
-        </p:nvGrpSpPr>
-        <p:grpSpPr>
-          <a:xfrm>
-            <a:off x="4673829" y="2194328"/>
-            <a:ext cx="2532217" cy="2469343"/>
-            <a:chOff x="3810959" y="2344652"/>
-            <a:chExt cx="2532217" cy="2469343"/>
-          </a:xfrm>
-        </p:grpSpPr>
-        <mc:AlternateContent xmlns:mc="http://schemas.openxmlformats.org/markup-compatibility/2006">
-          <mc:Choice xmlns:a14="http://schemas.microsoft.com/office/drawing/2010/main" Requires="a14">
-            <p:sp>
-              <p:nvSpPr>
-                <p:cNvPr id="4" name="TextBox 3">
-                  <a:extLst>
-                    <a:ext uri="{FF2B5EF4-FFF2-40B4-BE49-F238E27FC236}">
-                      <a16:creationId xmlns:a16="http://schemas.microsoft.com/office/drawing/2014/main" id="{D31E4862-3C92-F3DA-36E2-79718860897C}"/>
-                    </a:ext>
-                  </a:extLst>
-                </p:cNvPr>
-                <p:cNvSpPr txBox="1"/>
-                <p:nvPr/>
-              </p:nvSpPr>
-              <p:spPr>
-                <a:xfrm>
-                  <a:off x="4770744" y="2344652"/>
-                  <a:ext cx="1128783" cy="1384995"/>
-                </a:xfrm>
-                <a:prstGeom prst="rect">
-                  <a:avLst/>
-                </a:prstGeom>
-                <a:noFill/>
-              </p:spPr>
-              <p:txBody>
-                <a:bodyPr wrap="square" rtlCol="0">
-                  <a:spAutoFit/>
-                </a:bodyPr>
-                <a:lstStyle/>
-                <a:p>
-                  <a:pPr algn="ctr"/>
-                  <a14:m>
-                    <m:oMathPara xmlns:m="http://schemas.openxmlformats.org/officeDocument/2006/math">
-                      <m:oMathParaPr>
-                        <m:jc m:val="center"/>
-                      </m:oMathParaPr>
-                      <m:oMath xmlns:m="http://schemas.openxmlformats.org/officeDocument/2006/math">
-                        <m:r>
-                          <a:rPr lang="en-US" sz="8400" b="1" i="0" u="sng" smtClean="0">
-                            <a:solidFill>
-                              <a:schemeClr val="accent2"/>
-                            </a:solidFill>
-                            <a:latin typeface="Cambria Math" panose="02040503050406030204" pitchFamily="18" charset="0"/>
-                            <a:ea typeface="Cambria Math" panose="02040503050406030204" pitchFamily="18" charset="0"/>
-                            <a:cs typeface="Iosevka Custom Extrabold" panose="02000509030000000004" pitchFamily="49" charset="0"/>
-                          </a:rPr>
-                          <m:t>𝐆</m:t>
-                        </m:r>
-                        <m:r>
-                          <a:rPr lang="en-US" sz="8400" b="1" i="0" u="sng" smtClean="0">
-                            <a:solidFill>
-                              <a:schemeClr val="accent2"/>
-                            </a:solidFill>
-                            <a:latin typeface="Cambria Math" panose="02040503050406030204" pitchFamily="18" charset="0"/>
-                            <a:ea typeface="Cambria Math" panose="02040503050406030204" pitchFamily="18" charset="0"/>
-                            <a:cs typeface="Iosevka Custom Extrabold" panose="02000509030000000004" pitchFamily="49" charset="0"/>
-                          </a:rPr>
-                          <m:t>𝔼</m:t>
-                        </m:r>
-                        <m:r>
-                          <a:rPr lang="en-US" sz="8400" b="1" i="0" u="sng" smtClean="0">
-                            <a:solidFill>
-                              <a:schemeClr val="accent2"/>
-                            </a:solidFill>
-                            <a:latin typeface="Cambria Math" panose="02040503050406030204" pitchFamily="18" charset="0"/>
-                            <a:ea typeface="Cambria Math" panose="02040503050406030204" pitchFamily="18" charset="0"/>
-                            <a:cs typeface="Iosevka Custom Extrabold" panose="02000509030000000004" pitchFamily="49" charset="0"/>
-                          </a:rPr>
-                          <m:t>𝐍</m:t>
-                        </m:r>
-                      </m:oMath>
-                    </m:oMathPara>
-                  </a14:m>
-                  <a:endParaRPr lang="en-US" sz="8400" b="1" u="sng" dirty="0">
-                    <a:solidFill>
-                      <a:schemeClr val="accent2"/>
-                    </a:solidFill>
-                    <a:latin typeface="Iosevka Custom Heavy" panose="02000509030000000004" pitchFamily="49" charset="0"/>
-                    <a:ea typeface="Iosevka Custom Heavy" panose="02000509030000000004" pitchFamily="49" charset="0"/>
-                    <a:cs typeface="Iosevka Custom Heavy" panose="02000509030000000004" pitchFamily="49" charset="0"/>
-                  </a:endParaRPr>
-                </a:p>
-              </p:txBody>
-            </p:sp>
-          </mc:Choice>
-          <mc:Fallback>
-            <p:sp>
-              <p:nvSpPr>
-                <p:cNvPr id="4" name="TextBox 3">
-                  <a:extLst>
-                    <a:ext uri="{FF2B5EF4-FFF2-40B4-BE49-F238E27FC236}">
-                      <a16:creationId xmlns:a16="http://schemas.microsoft.com/office/drawing/2014/main" id="{D31E4862-3C92-F3DA-36E2-79718860897C}"/>
-                    </a:ext>
-                  </a:extLst>
-                </p:cNvPr>
-                <p:cNvSpPr txBox="1">
-                  <a:spLocks noRot="1" noChangeAspect="1" noMove="1" noResize="1" noEditPoints="1" noAdjustHandles="1" noChangeArrowheads="1" noChangeShapeType="1" noTextEdit="1"/>
-                </p:cNvSpPr>
-                <p:nvPr/>
-              </p:nvSpPr>
-              <p:spPr>
-                <a:xfrm>
-                  <a:off x="4770744" y="2344652"/>
-                  <a:ext cx="1128783" cy="1384995"/>
-                </a:xfrm>
-                <a:prstGeom prst="rect">
-                  <a:avLst/>
-                </a:prstGeom>
-                <a:blipFill>
-                  <a:blip r:embed="rId2"/>
-                  <a:stretch>
-                    <a:fillRect l="-98889" r="-52222" b="-2727"/>
-                  </a:stretch>
-                </a:blipFill>
-              </p:spPr>
-              <p:txBody>
-                <a:bodyPr/>
-                <a:lstStyle/>
-                <a:p>
-                  <a:r>
-                    <a:rPr lang="en-US">
-                      <a:noFill/>
-                    </a:rPr>
-                    <a:t> </a:t>
-                  </a:r>
-                </a:p>
-              </p:txBody>
-            </p:sp>
-          </mc:Fallback>
-        </mc:AlternateContent>
-        <mc:AlternateContent xmlns:mc="http://schemas.openxmlformats.org/markup-compatibility/2006">
-          <mc:Choice xmlns:a14="http://schemas.microsoft.com/office/drawing/2010/main" Requires="a14">
-            <p:sp>
-              <p:nvSpPr>
-                <p:cNvPr id="7" name="TextBox 6">
-                  <a:extLst>
-                    <a:ext uri="{FF2B5EF4-FFF2-40B4-BE49-F238E27FC236}">
-                      <a16:creationId xmlns:a16="http://schemas.microsoft.com/office/drawing/2014/main" id="{2CC40CB4-8093-E4A2-33D1-59756D92A6B7}"/>
-                    </a:ext>
-                  </a:extLst>
-                </p:cNvPr>
-                <p:cNvSpPr txBox="1"/>
-                <p:nvPr/>
-              </p:nvSpPr>
-              <p:spPr>
-                <a:xfrm>
-                  <a:off x="3810959" y="3429000"/>
-                  <a:ext cx="2532217" cy="1384995"/>
-                </a:xfrm>
-                <a:prstGeom prst="rect">
-                  <a:avLst/>
-                </a:prstGeom>
-                <a:noFill/>
-              </p:spPr>
-              <p:txBody>
-                <a:bodyPr wrap="square">
-                  <a:spAutoFit/>
-                </a:bodyPr>
-                <a:lstStyle/>
-                <a:p>
-                  <a:pPr algn="ctr"/>
-                  <a14:m>
-                    <m:oMath xmlns:m="http://schemas.openxmlformats.org/officeDocument/2006/math">
-                      <m:r>
-                        <a:rPr lang="en-US" sz="8400" b="1" i="0" smtClean="0">
-                          <a:solidFill>
-                            <a:srgbClr val="5B94EE"/>
-                          </a:solidFill>
-                          <a:latin typeface="Cambria Math" panose="02040503050406030204" pitchFamily="18" charset="0"/>
-                          <a:ea typeface="Cambria Math" panose="02040503050406030204" pitchFamily="18" charset="0"/>
-                          <a:cs typeface="Iosevka Custom Extrabold" panose="02000509030000000004" pitchFamily="49" charset="0"/>
-                        </a:rPr>
-                        <m:t>𝐉</m:t>
-                      </m:r>
-                      <m:r>
-                        <a:rPr lang="en-US" sz="8400" b="1" i="0" smtClean="0">
-                          <a:solidFill>
-                            <a:srgbClr val="22A89B"/>
-                          </a:solidFill>
-                          <a:latin typeface="Cambria Math" panose="02040503050406030204" pitchFamily="18" charset="0"/>
-                          <a:ea typeface="Cambria Math" panose="02040503050406030204" pitchFamily="18" charset="0"/>
-                          <a:cs typeface="Iosevka Custom Extrabold" panose="02000509030000000004" pitchFamily="49" charset="0"/>
-                        </a:rPr>
-                        <m:t>𝛁</m:t>
-                      </m:r>
-                    </m:oMath>
-                  </a14:m>
-                  <a:r>
-                    <a:rPr lang="en-US" sz="8400" b="1" dirty="0">
-                      <a:solidFill>
-                        <a:srgbClr val="EC81FD"/>
-                      </a:solidFill>
-                      <a:latin typeface="Cambria Math" panose="02040503050406030204" pitchFamily="18" charset="0"/>
-                      <a:ea typeface="Cambria Math" panose="02040503050406030204" pitchFamily="18" charset="0"/>
-                      <a:cs typeface="Iosevka Custom Heavy" panose="02000509030000000004" pitchFamily="49" charset="0"/>
-                    </a:rPr>
-                    <a:t>X</a:t>
-                  </a:r>
-                </a:p>
-              </p:txBody>
-            </p:sp>
-          </mc:Choice>
-          <mc:Fallback>
-            <p:sp>
-              <p:nvSpPr>
-                <p:cNvPr id="7" name="TextBox 6">
-                  <a:extLst>
-                    <a:ext uri="{FF2B5EF4-FFF2-40B4-BE49-F238E27FC236}">
-                      <a16:creationId xmlns:a16="http://schemas.microsoft.com/office/drawing/2014/main" id="{2CC40CB4-8093-E4A2-33D1-59756D92A6B7}"/>
-                    </a:ext>
-                  </a:extLst>
-                </p:cNvPr>
-                <p:cNvSpPr txBox="1">
-                  <a:spLocks noRot="1" noChangeAspect="1" noMove="1" noResize="1" noEditPoints="1" noAdjustHandles="1" noChangeArrowheads="1" noChangeShapeType="1" noTextEdit="1"/>
-                </p:cNvSpPr>
-                <p:nvPr/>
-              </p:nvSpPr>
-              <p:spPr>
-                <a:xfrm>
-                  <a:off x="3810959" y="3429000"/>
-                  <a:ext cx="2532217" cy="1384995"/>
-                </a:xfrm>
-                <a:prstGeom prst="rect">
-                  <a:avLst/>
-                </a:prstGeom>
-                <a:blipFill>
-                  <a:blip r:embed="rId3"/>
-                  <a:stretch>
-                    <a:fillRect l="-2000" t="-19091" r="-9000" b="-41818"/>
-                  </a:stretch>
-                </a:blipFill>
-              </p:spPr>
-              <p:txBody>
-                <a:bodyPr/>
-                <a:lstStyle/>
-                <a:p>
-                  <a:r>
-                    <a:rPr lang="en-US">
-                      <a:noFill/>
-                    </a:rPr>
-                    <a:t> </a:t>
-                  </a:r>
-                </a:p>
-              </p:txBody>
-            </p:sp>
-          </mc:Fallback>
-        </mc:AlternateContent>
-      </p:grpSp>
+      </p:pic>
     </p:spTree>
     <p:extLst>
       <p:ext uri="{BB962C8B-B14F-4D97-AF65-F5344CB8AC3E}">

--- a/docs/assets/pptx/genjax_logo_small.pptx
+++ b/docs/assets/pptx/genjax_logo_small.pptx
@@ -6,6 +6,7 @@
   </p:sldMasterIdLst>
   <p:sldIdLst>
     <p:sldId id="256" r:id="rId2"/>
+    <p:sldId id="257" r:id="rId3"/>
   </p:sldIdLst>
   <p:sldSz cx="12192000" cy="6858000"/>
   <p:notesSz cx="6858000" cy="9144000"/>
@@ -104,6 +105,11 @@
       </a:defRPr>
     </a:lvl9pPr>
   </p:defaultTextStyle>
+  <p:extLst>
+    <p:ext uri="{EFAFB233-063F-42B5-8137-9DF3F51BA10A}">
+      <p15:sldGuideLst xmlns:p15="http://schemas.microsoft.com/office/powerpoint/2012/main"/>
+    </p:ext>
+  </p:extLst>
 </p:presentation>
 </file>
 
@@ -3336,13 +3342,13 @@
           <p:nvPr/>
         </p:nvPicPr>
         <p:blipFill rotWithShape="1">
-          <a:blip r:embed="rId2"/>
+          <a:blip r:embed="rId3"/>
           <a:srcRect b="10569"/>
           <a:stretch/>
         </p:blipFill>
         <p:spPr>
           <a:xfrm>
-            <a:off x="4387850" y="1778000"/>
+            <a:off x="4387850" y="1806254"/>
             <a:ext cx="3416300" cy="2953026"/>
           </a:xfrm>
           <a:prstGeom prst="rect">
@@ -3354,6 +3360,382 @@
     <p:extLst>
       <p:ext uri="{BB962C8B-B14F-4D97-AF65-F5344CB8AC3E}">
         <p14:creationId xmlns:p14="http://schemas.microsoft.com/office/powerpoint/2010/main" val="621492701"/>
+      </p:ext>
+    </p:extLst>
+  </p:cSld>
+  <p:clrMapOvr>
+    <a:masterClrMapping/>
+  </p:clrMapOvr>
+</p:sld>
+</file>
+
+<file path=ppt/slides/slide2.xml><?xml version="1.0" encoding="utf-8"?>
+<p:sld xmlns:a="http://schemas.openxmlformats.org/drawingml/2006/main" xmlns:r="http://schemas.openxmlformats.org/officeDocument/2006/relationships" xmlns:p="http://schemas.openxmlformats.org/presentationml/2006/main">
+  <p:cSld>
+    <p:spTree>
+      <p:nvGrpSpPr>
+        <p:cNvPr id="1" name=""/>
+        <p:cNvGrpSpPr/>
+        <p:nvPr/>
+      </p:nvGrpSpPr>
+      <p:grpSpPr>
+        <a:xfrm>
+          <a:off x="0" y="0"/>
+          <a:ext cx="0" cy="0"/>
+          <a:chOff x="0" y="0"/>
+          <a:chExt cx="0" cy="0"/>
+        </a:xfrm>
+      </p:grpSpPr>
+      <p:sp>
+        <p:nvSpPr>
+          <p:cNvPr id="5" name="Hexagon 4">
+            <a:extLst>
+              <a:ext uri="{FF2B5EF4-FFF2-40B4-BE49-F238E27FC236}">
+                <a16:creationId xmlns:a16="http://schemas.microsoft.com/office/drawing/2014/main" id="{3DBF463F-BBFB-F916-82C2-9331A03955A3}"/>
+              </a:ext>
+            </a:extLst>
+          </p:cNvPr>
+          <p:cNvSpPr/>
+          <p:nvPr/>
+        </p:nvSpPr>
+        <p:spPr>
+          <a:xfrm>
+            <a:off x="4237147" y="1826540"/>
+            <a:ext cx="3717706" cy="3204919"/>
+          </a:xfrm>
+          <a:prstGeom prst="hexagon">
+            <a:avLst/>
+          </a:prstGeom>
+          <a:solidFill>
+            <a:schemeClr val="accent2">
+              <a:lumMod val="20000"/>
+              <a:lumOff val="80000"/>
+            </a:schemeClr>
+          </a:solidFill>
+          <a:ln>
+            <a:noFill/>
+          </a:ln>
+        </p:spPr>
+        <p:style>
+          <a:lnRef idx="2">
+            <a:schemeClr val="accent1">
+              <a:shade val="15000"/>
+            </a:schemeClr>
+          </a:lnRef>
+          <a:fillRef idx="1">
+            <a:schemeClr val="accent1"/>
+          </a:fillRef>
+          <a:effectRef idx="0">
+            <a:schemeClr val="accent1"/>
+          </a:effectRef>
+          <a:fontRef idx="minor">
+            <a:schemeClr val="lt1"/>
+          </a:fontRef>
+        </p:style>
+        <p:txBody>
+          <a:bodyPr rtlCol="0" anchor="ctr"/>
+          <a:lstStyle/>
+          <a:p>
+            <a:pPr algn="ctr"/>
+            <a:endParaRPr lang="en-US"/>
+          </a:p>
+        </p:txBody>
+      </p:sp>
+      <p:sp>
+        <p:nvSpPr>
+          <p:cNvPr id="6" name="Hexagon 5">
+            <a:extLst>
+              <a:ext uri="{FF2B5EF4-FFF2-40B4-BE49-F238E27FC236}">
+                <a16:creationId xmlns:a16="http://schemas.microsoft.com/office/drawing/2014/main" id="{B43F4973-EBFB-5EC6-AA8C-FB2797FA73B2}"/>
+              </a:ext>
+            </a:extLst>
+          </p:cNvPr>
+          <p:cNvSpPr/>
+          <p:nvPr/>
+        </p:nvSpPr>
+        <p:spPr>
+          <a:xfrm>
+            <a:off x="4433115" y="1995479"/>
+            <a:ext cx="3325769" cy="2867042"/>
+          </a:xfrm>
+          <a:prstGeom prst="hexagon">
+            <a:avLst/>
+          </a:prstGeom>
+          <a:solidFill>
+            <a:schemeClr val="accent2">
+              <a:lumMod val="40000"/>
+              <a:lumOff val="60000"/>
+            </a:schemeClr>
+          </a:solidFill>
+          <a:ln>
+            <a:noFill/>
+          </a:ln>
+        </p:spPr>
+        <p:style>
+          <a:lnRef idx="2">
+            <a:schemeClr val="accent1">
+              <a:shade val="15000"/>
+            </a:schemeClr>
+          </a:lnRef>
+          <a:fillRef idx="1">
+            <a:schemeClr val="accent1"/>
+          </a:fillRef>
+          <a:effectRef idx="0">
+            <a:schemeClr val="accent1"/>
+          </a:effectRef>
+          <a:fontRef idx="minor">
+            <a:schemeClr val="lt1"/>
+          </a:fontRef>
+        </p:style>
+        <p:txBody>
+          <a:bodyPr rtlCol="0" anchor="ctr"/>
+          <a:lstStyle/>
+          <a:p>
+            <a:pPr algn="ctr"/>
+            <a:endParaRPr lang="en-US"/>
+          </a:p>
+        </p:txBody>
+      </p:sp>
+      <mc:AlternateContent xmlns:mc="http://schemas.openxmlformats.org/markup-compatibility/2006">
+        <mc:Choice xmlns:a14="http://schemas.microsoft.com/office/drawing/2010/main" Requires="a14">
+          <p:sp>
+            <p:nvSpPr>
+              <p:cNvPr id="4" name="TextBox 3">
+                <a:extLst>
+                  <a:ext uri="{FF2B5EF4-FFF2-40B4-BE49-F238E27FC236}">
+                    <a16:creationId xmlns:a16="http://schemas.microsoft.com/office/drawing/2014/main" id="{37007782-12B1-32E6-2AAC-10308321FA55}"/>
+                  </a:ext>
+                </a:extLst>
+              </p:cNvPr>
+              <p:cNvSpPr txBox="1"/>
+              <p:nvPr/>
+            </p:nvSpPr>
+            <p:spPr>
+              <a:xfrm>
+                <a:off x="4741752" y="2151959"/>
+                <a:ext cx="2667397" cy="1446550"/>
+              </a:xfrm>
+              <a:prstGeom prst="rect">
+                <a:avLst/>
+              </a:prstGeom>
+              <a:noFill/>
+            </p:spPr>
+            <p:txBody>
+              <a:bodyPr wrap="none" lIns="0" tIns="0" rIns="0" bIns="0" rtlCol="0">
+                <a:spAutoFit/>
+              </a:bodyPr>
+              <a:lstStyle/>
+              <a:p>
+                <a14:m>
+                  <m:oMathPara xmlns:m="http://schemas.openxmlformats.org/officeDocument/2006/math">
+                    <m:oMathParaPr>
+                      <m:jc m:val="centerGroup"/>
+                    </m:oMathParaPr>
+                    <m:oMath xmlns:m="http://schemas.openxmlformats.org/officeDocument/2006/math">
+                      <m:r>
+                        <a:rPr lang="en-US" sz="9400" b="1" i="0" u="sng" smtClean="0">
+                          <a:solidFill>
+                            <a:schemeClr val="accent2"/>
+                          </a:solidFill>
+                          <a:latin typeface="Cambria Math" panose="02040503050406030204" pitchFamily="18" charset="0"/>
+                        </a:rPr>
+                        <m:t>𝐆</m:t>
+                      </m:r>
+                      <m:r>
+                        <a:rPr lang="en-US" sz="9400" b="1" i="1" u="sng" smtClean="0">
+                          <a:solidFill>
+                            <a:schemeClr val="accent2"/>
+                          </a:solidFill>
+                          <a:latin typeface="Cambria Math" panose="02040503050406030204" pitchFamily="18" charset="0"/>
+                          <a:ea typeface="Cambria Math" panose="02040503050406030204" pitchFamily="18" charset="0"/>
+                        </a:rPr>
+                        <m:t>𝔼</m:t>
+                      </m:r>
+                      <m:r>
+                        <a:rPr lang="en-US" sz="9400" b="1" i="0" u="sng" smtClean="0">
+                          <a:solidFill>
+                            <a:schemeClr val="accent2"/>
+                          </a:solidFill>
+                          <a:latin typeface="Cambria Math" panose="02040503050406030204" pitchFamily="18" charset="0"/>
+                        </a:rPr>
+                        <m:t>𝐍</m:t>
+                      </m:r>
+                    </m:oMath>
+                  </m:oMathPara>
+                </a14:m>
+                <a:endParaRPr lang="en-US" sz="9400" b="1" u="sng" dirty="0">
+                  <a:latin typeface="Cambria Math" panose="02040503050406030204" pitchFamily="18" charset="0"/>
+                </a:endParaRPr>
+              </a:p>
+            </p:txBody>
+          </p:sp>
+        </mc:Choice>
+        <mc:Fallback>
+          <p:sp>
+            <p:nvSpPr>
+              <p:cNvPr id="4" name="TextBox 3">
+                <a:extLst>
+                  <a:ext uri="{FF2B5EF4-FFF2-40B4-BE49-F238E27FC236}">
+                    <a16:creationId xmlns:a16="http://schemas.microsoft.com/office/drawing/2014/main" id="{37007782-12B1-32E6-2AAC-10308321FA55}"/>
+                  </a:ext>
+                </a:extLst>
+              </p:cNvPr>
+              <p:cNvSpPr txBox="1">
+                <a:spLocks noRot="1" noChangeAspect="1" noMove="1" noResize="1" noEditPoints="1" noAdjustHandles="1" noChangeArrowheads="1" noChangeShapeType="1" noTextEdit="1"/>
+              </p:cNvSpPr>
+              <p:nvPr/>
+            </p:nvSpPr>
+            <p:spPr>
+              <a:xfrm>
+                <a:off x="4741752" y="2151959"/>
+                <a:ext cx="2667397" cy="1446550"/>
+              </a:xfrm>
+              <a:prstGeom prst="rect">
+                <a:avLst/>
+              </a:prstGeom>
+              <a:blipFill>
+                <a:blip r:embed="rId2"/>
+                <a:stretch>
+                  <a:fillRect l="-9953" r="-9479" b="-6087"/>
+                </a:stretch>
+              </a:blipFill>
+            </p:spPr>
+            <p:txBody>
+              <a:bodyPr/>
+              <a:lstStyle/>
+              <a:p>
+                <a:r>
+                  <a:rPr lang="en-US">
+                    <a:noFill/>
+                  </a:rPr>
+                  <a:t> </a:t>
+                </a:r>
+              </a:p>
+            </p:txBody>
+          </p:sp>
+        </mc:Fallback>
+      </mc:AlternateContent>
+      <mc:AlternateContent xmlns:mc="http://schemas.openxmlformats.org/markup-compatibility/2006">
+        <mc:Choice xmlns:a14="http://schemas.microsoft.com/office/drawing/2010/main" Requires="a14">
+          <p:sp>
+            <p:nvSpPr>
+              <p:cNvPr id="8" name="TextBox 7">
+                <a:extLst>
+                  <a:ext uri="{FF2B5EF4-FFF2-40B4-BE49-F238E27FC236}">
+                    <a16:creationId xmlns:a16="http://schemas.microsoft.com/office/drawing/2014/main" id="{17055654-7424-ADBA-D86F-301D0CFAB525}"/>
+                  </a:ext>
+                </a:extLst>
+              </p:cNvPr>
+              <p:cNvSpPr txBox="1"/>
+              <p:nvPr/>
+            </p:nvSpPr>
+            <p:spPr>
+              <a:xfrm>
+                <a:off x="4741751" y="3196477"/>
+                <a:ext cx="2667397" cy="1538883"/>
+              </a:xfrm>
+              <a:prstGeom prst="rect">
+                <a:avLst/>
+              </a:prstGeom>
+              <a:noFill/>
+            </p:spPr>
+            <p:txBody>
+              <a:bodyPr wrap="square">
+                <a:spAutoFit/>
+              </a:bodyPr>
+              <a:lstStyle/>
+              <a:p>
+                <a:pPr/>
+                <a14:m>
+                  <m:oMathPara xmlns:m="http://schemas.openxmlformats.org/officeDocument/2006/math">
+                    <m:oMathParaPr>
+                      <m:jc m:val="centerGroup"/>
+                    </m:oMathParaPr>
+                    <m:oMath xmlns:m="http://schemas.openxmlformats.org/officeDocument/2006/math">
+                      <m:r>
+                        <a:rPr lang="en-US" sz="9400" b="1" i="0" smtClean="0">
+                          <a:solidFill>
+                            <a:srgbClr val="5B94EE"/>
+                          </a:solidFill>
+                          <a:latin typeface="Cambria Math" panose="02040503050406030204" pitchFamily="18" charset="0"/>
+                        </a:rPr>
+                        <m:t>𝐉</m:t>
+                      </m:r>
+                      <m:r>
+                        <a:rPr lang="en-US" sz="9400" b="1" i="0" smtClean="0">
+                          <a:solidFill>
+                            <a:srgbClr val="22A89B"/>
+                          </a:solidFill>
+                          <a:latin typeface="Cambria Math" panose="02040503050406030204" pitchFamily="18" charset="0"/>
+                        </a:rPr>
+                        <m:t>𝐀</m:t>
+                      </m:r>
+                      <m:r>
+                        <a:rPr lang="en-US" sz="9400" b="1" i="0" smtClean="0">
+                          <a:solidFill>
+                            <a:srgbClr val="EC81FD"/>
+                          </a:solidFill>
+                          <a:latin typeface="Cambria Math" panose="02040503050406030204" pitchFamily="18" charset="0"/>
+                        </a:rPr>
+                        <m:t>𝐗</m:t>
+                      </m:r>
+                    </m:oMath>
+                  </m:oMathPara>
+                </a14:m>
+                <a:endParaRPr lang="en-US" sz="9400" b="1" dirty="0"/>
+              </a:p>
+            </p:txBody>
+          </p:sp>
+        </mc:Choice>
+        <mc:Fallback>
+          <p:sp>
+            <p:nvSpPr>
+              <p:cNvPr id="8" name="TextBox 7">
+                <a:extLst>
+                  <a:ext uri="{FF2B5EF4-FFF2-40B4-BE49-F238E27FC236}">
+                    <a16:creationId xmlns:a16="http://schemas.microsoft.com/office/drawing/2014/main" id="{17055654-7424-ADBA-D86F-301D0CFAB525}"/>
+                  </a:ext>
+                </a:extLst>
+              </p:cNvPr>
+              <p:cNvSpPr txBox="1">
+                <a:spLocks noRot="1" noChangeAspect="1" noMove="1" noResize="1" noEditPoints="1" noAdjustHandles="1" noChangeArrowheads="1" noChangeShapeType="1" noTextEdit="1"/>
+              </p:cNvSpPr>
+              <p:nvPr/>
+            </p:nvSpPr>
+            <p:spPr>
+              <a:xfrm>
+                <a:off x="4741751" y="3196477"/>
+                <a:ext cx="2667397" cy="1538883"/>
+              </a:xfrm>
+              <a:prstGeom prst="rect">
+                <a:avLst/>
+              </a:prstGeom>
+              <a:blipFill>
+                <a:blip r:embed="rId3"/>
+                <a:stretch>
+                  <a:fillRect l="-6161" r="-1896" b="-22951"/>
+                </a:stretch>
+              </a:blipFill>
+            </p:spPr>
+            <p:txBody>
+              <a:bodyPr/>
+              <a:lstStyle/>
+              <a:p>
+                <a:r>
+                  <a:rPr lang="en-US">
+                    <a:noFill/>
+                  </a:rPr>
+                  <a:t> </a:t>
+                </a:r>
+              </a:p>
+            </p:txBody>
+          </p:sp>
+        </mc:Fallback>
+      </mc:AlternateContent>
+    </p:spTree>
+    <p:extLst>
+      <p:ext uri="{BB962C8B-B14F-4D97-AF65-F5344CB8AC3E}">
+        <p14:creationId xmlns:p14="http://schemas.microsoft.com/office/powerpoint/2010/main" val="1064132939"/>
       </p:ext>
     </p:extLst>
   </p:cSld>
